--- a/doc/Raspbery Presentation.pptx
+++ b/doc/Raspbery Presentation.pptx
@@ -564,7 +564,7 @@
               </a:pathLst>
             </a:custGeom>
             <a:blipFill>
-              <a:blip r:embed="rId2">
+              <a:blip r:embed="rId2" cstate="print">
                 <a:alphaModFix amt="50000"/>
               </a:blip>
               <a:tile tx="0" ty="0" sx="50000" sy="50000" flip="none" algn="t"/>
@@ -738,6 +738,7 @@
           <a:p>
             <a:fld id="{34186C16-93E0-438F-A67E-8EC8524F604A}" type="datetimeFigureOut">
               <a:rPr lang="de-DE" smtClean="0"/>
+              <a:pPr/>
               <a:t>21.04.2013</a:t>
             </a:fld>
             <a:endParaRPr lang="de-DE"/>
@@ -800,7 +801,8 @@
           <a:p>
             <a:fld id="{F345A7E8-BBFA-4EE8-B0C3-BF0C14079982}" type="slidenum">
               <a:rPr lang="de-DE" smtClean="0"/>
-              <a:t>‹Nr.›</a:t>
+              <a:pPr/>
+              <a:t>‹#›</a:t>
             </a:fld>
             <a:endParaRPr lang="de-DE"/>
           </a:p>
@@ -934,6 +936,7 @@
           <a:p>
             <a:fld id="{34186C16-93E0-438F-A67E-8EC8524F604A}" type="datetimeFigureOut">
               <a:rPr lang="de-DE" smtClean="0"/>
+              <a:pPr/>
               <a:t>21.04.2013</a:t>
             </a:fld>
             <a:endParaRPr lang="de-DE"/>
@@ -980,7 +983,8 @@
           <a:p>
             <a:fld id="{F345A7E8-BBFA-4EE8-B0C3-BF0C14079982}" type="slidenum">
               <a:rPr lang="de-DE" smtClean="0"/>
-              <a:t>‹Nr.›</a:t>
+              <a:pPr/>
+              <a:t>‹#›</a:t>
             </a:fld>
             <a:endParaRPr lang="de-DE"/>
           </a:p>
@@ -1119,6 +1123,7 @@
           <a:p>
             <a:fld id="{34186C16-93E0-438F-A67E-8EC8524F604A}" type="datetimeFigureOut">
               <a:rPr lang="de-DE" smtClean="0"/>
+              <a:pPr/>
               <a:t>21.04.2013</a:t>
             </a:fld>
             <a:endParaRPr lang="de-DE"/>
@@ -1165,7 +1170,8 @@
           <a:p>
             <a:fld id="{F345A7E8-BBFA-4EE8-B0C3-BF0C14079982}" type="slidenum">
               <a:rPr lang="de-DE" smtClean="0"/>
-              <a:t>‹Nr.›</a:t>
+              <a:pPr/>
+              <a:t>‹#›</a:t>
             </a:fld>
             <a:endParaRPr lang="de-DE"/>
           </a:p>
@@ -1269,6 +1275,7 @@
           <a:p>
             <a:fld id="{34186C16-93E0-438F-A67E-8EC8524F604A}" type="datetimeFigureOut">
               <a:rPr lang="de-DE" smtClean="0"/>
+              <a:pPr/>
               <a:t>21.04.2013</a:t>
             </a:fld>
             <a:endParaRPr lang="de-DE"/>
@@ -1315,7 +1322,8 @@
           <a:p>
             <a:fld id="{F345A7E8-BBFA-4EE8-B0C3-BF0C14079982}" type="slidenum">
               <a:rPr lang="de-DE" smtClean="0"/>
-              <a:t>‹Nr.›</a:t>
+              <a:pPr/>
+              <a:t>‹#›</a:t>
             </a:fld>
             <a:endParaRPr lang="de-DE"/>
           </a:p>
@@ -1524,6 +1532,7 @@
           <a:p>
             <a:fld id="{34186C16-93E0-438F-A67E-8EC8524F604A}" type="datetimeFigureOut">
               <a:rPr lang="de-DE" smtClean="0"/>
+              <a:pPr/>
               <a:t>21.04.2013</a:t>
             </a:fld>
             <a:endParaRPr lang="de-DE"/>
@@ -1570,7 +1579,8 @@
           <a:p>
             <a:fld id="{F345A7E8-BBFA-4EE8-B0C3-BF0C14079982}" type="slidenum">
               <a:rPr lang="de-DE" smtClean="0"/>
-              <a:t>‹Nr.›</a:t>
+              <a:pPr/>
+              <a:t>‹#›</a:t>
             </a:fld>
             <a:endParaRPr lang="de-DE"/>
           </a:p>
@@ -1933,6 +1943,7 @@
           <a:p>
             <a:fld id="{34186C16-93E0-438F-A67E-8EC8524F604A}" type="datetimeFigureOut">
               <a:rPr lang="de-DE" smtClean="0"/>
+              <a:pPr/>
               <a:t>21.04.2013</a:t>
             </a:fld>
             <a:endParaRPr lang="de-DE"/>
@@ -1979,7 +1990,8 @@
           <a:p>
             <a:fld id="{F345A7E8-BBFA-4EE8-B0C3-BF0C14079982}" type="slidenum">
               <a:rPr lang="de-DE" smtClean="0"/>
-              <a:t>‹Nr.›</a:t>
+              <a:pPr/>
+              <a:t>‹#›</a:t>
             </a:fld>
             <a:endParaRPr lang="de-DE"/>
           </a:p>
@@ -2379,6 +2391,7 @@
           <a:p>
             <a:fld id="{34186C16-93E0-438F-A67E-8EC8524F604A}" type="datetimeFigureOut">
               <a:rPr lang="de-DE" smtClean="0"/>
+              <a:pPr/>
               <a:t>21.04.2013</a:t>
             </a:fld>
             <a:endParaRPr lang="de-DE"/>
@@ -2425,7 +2438,8 @@
           <a:p>
             <a:fld id="{F345A7E8-BBFA-4EE8-B0C3-BF0C14079982}" type="slidenum">
               <a:rPr lang="de-DE" smtClean="0"/>
-              <a:t>‹Nr.›</a:t>
+              <a:pPr/>
+              <a:t>‹#›</a:t>
             </a:fld>
             <a:endParaRPr lang="de-DE"/>
           </a:p>
@@ -2480,6 +2494,7 @@
           <a:p>
             <a:fld id="{34186C16-93E0-438F-A67E-8EC8524F604A}" type="datetimeFigureOut">
               <a:rPr lang="de-DE" smtClean="0"/>
+              <a:pPr/>
               <a:t>21.04.2013</a:t>
             </a:fld>
             <a:endParaRPr lang="de-DE"/>
@@ -2526,7 +2541,8 @@
           <a:p>
             <a:fld id="{F345A7E8-BBFA-4EE8-B0C3-BF0C14079982}" type="slidenum">
               <a:rPr lang="de-DE" smtClean="0"/>
-              <a:t>‹Nr.›</a:t>
+              <a:pPr/>
+              <a:t>‹#›</a:t>
             </a:fld>
             <a:endParaRPr lang="de-DE"/>
           </a:p>
@@ -2601,6 +2617,7 @@
           <a:p>
             <a:fld id="{34186C16-93E0-438F-A67E-8EC8524F604A}" type="datetimeFigureOut">
               <a:rPr lang="de-DE" smtClean="0"/>
+              <a:pPr/>
               <a:t>21.04.2013</a:t>
             </a:fld>
             <a:endParaRPr lang="de-DE"/>
@@ -2647,7 +2664,8 @@
           <a:p>
             <a:fld id="{F345A7E8-BBFA-4EE8-B0C3-BF0C14079982}" type="slidenum">
               <a:rPr lang="de-DE" smtClean="0"/>
-              <a:t>‹Nr.›</a:t>
+              <a:pPr/>
+              <a:t>‹#›</a:t>
             </a:fld>
             <a:endParaRPr lang="de-DE"/>
           </a:p>
@@ -2875,6 +2893,7 @@
           <a:p>
             <a:fld id="{34186C16-93E0-438F-A67E-8EC8524F604A}" type="datetimeFigureOut">
               <a:rPr lang="de-DE" smtClean="0"/>
+              <a:pPr/>
               <a:t>21.04.2013</a:t>
             </a:fld>
             <a:endParaRPr lang="de-DE"/>
@@ -2921,7 +2940,8 @@
           <a:p>
             <a:fld id="{F345A7E8-BBFA-4EE8-B0C3-BF0C14079982}" type="slidenum">
               <a:rPr lang="de-DE" smtClean="0"/>
-              <a:t>‹Nr.›</a:t>
+              <a:pPr/>
+              <a:t>‹#›</a:t>
             </a:fld>
             <a:endParaRPr lang="de-DE"/>
           </a:p>
@@ -3080,6 +3100,7 @@
           <a:p>
             <a:fld id="{34186C16-93E0-438F-A67E-8EC8524F604A}" type="datetimeFigureOut">
               <a:rPr lang="de-DE" smtClean="0"/>
+              <a:pPr/>
               <a:t>21.04.2013</a:t>
             </a:fld>
             <a:endParaRPr lang="de-DE"/>
@@ -3145,7 +3166,8 @@
           <a:p>
             <a:fld id="{F345A7E8-BBFA-4EE8-B0C3-BF0C14079982}" type="slidenum">
               <a:rPr lang="de-DE" smtClean="0"/>
-              <a:t>‹Nr.›</a:t>
+              <a:pPr/>
+              <a:t>‹#›</a:t>
             </a:fld>
             <a:endParaRPr lang="de-DE"/>
           </a:p>
@@ -3382,7 +3404,7 @@
             <a:avLst/>
           </a:prstGeom>
           <a:blipFill>
-            <a:blip r:embed="rId2">
+            <a:blip r:embed="rId2" cstate="print">
               <a:alphaModFix amt="50000"/>
             </a:blip>
             <a:tile tx="0" ty="0" sx="50000" sy="50000" flip="none" algn="t"/>
@@ -3902,7 +3924,7 @@
             <a:avLst/>
           </a:prstGeom>
           <a:blipFill>
-            <a:blip r:embed="rId13">
+            <a:blip r:embed="rId13" cstate="print">
               <a:alphaModFix amt="50000"/>
             </a:blip>
             <a:tile tx="0" ty="0" sx="50000" sy="50000" flip="none" algn="t"/>
@@ -4189,6 +4211,7 @@
           <a:p>
             <a:fld id="{34186C16-93E0-438F-A67E-8EC8524F604A}" type="datetimeFigureOut">
               <a:rPr lang="de-DE" smtClean="0"/>
+              <a:pPr/>
               <a:t>21.04.2013</a:t>
             </a:fld>
             <a:endParaRPr lang="de-DE"/>
@@ -4265,7 +4288,8 @@
           <a:p>
             <a:fld id="{F345A7E8-BBFA-4EE8-B0C3-BF0C14079982}" type="slidenum">
               <a:rPr lang="de-DE" smtClean="0"/>
-              <a:t>‹Nr.›</a:t>
+              <a:pPr/>
+              <a:t>‹#›</a:t>
             </a:fld>
             <a:endParaRPr lang="de-DE"/>
           </a:p>
@@ -4775,7 +4799,7 @@
           <a:blip r:embed="rId2" cstate="print">
             <a:extLst>
               <a:ext uri="{BEBA8EAE-BF5A-486C-A8C5-ECC9F3942E4B}">
-                <a14:imgProps xmlns:a14="http://schemas.microsoft.com/office/drawing/2010/main">
+                <a14:imgProps xmlns:a14="http://schemas.microsoft.com/office/drawing/2010/main" xmlns="">
                   <a14:imgLayer r:embed="rId3">
                     <a14:imgEffect>
                       <a14:brightnessContrast bright="-20000" contrast="40000"/>
@@ -4784,7 +4808,7 @@
                 </a14:imgProps>
               </a:ext>
               <a:ext uri="{28A0092B-C50C-407E-A947-70E740481C1C}">
-                <a14:useLocalDpi xmlns:a14="http://schemas.microsoft.com/office/drawing/2010/main" val="0"/>
+                <a14:useLocalDpi xmlns:a14="http://schemas.microsoft.com/office/drawing/2010/main" xmlns="" val="0"/>
               </a:ext>
             </a:extLst>
           </a:blip>
@@ -4832,7 +4856,7 @@
           </a:sp3d>
           <a:extLst>
             <a:ext uri="{53640926-AAD7-44D8-BBD7-CCE9431645EC}">
-              <a14:shadowObscured xmlns:a14="http://schemas.microsoft.com/office/drawing/2010/main"/>
+              <a14:shadowObscured xmlns:a14="http://schemas.microsoft.com/office/drawing/2010/main" xmlns=""/>
             </a:ext>
           </a:extLst>
         </p:spPr>
@@ -4916,10 +4940,10 @@
           <p:nvPr/>
         </p:nvPicPr>
         <p:blipFill>
-          <a:blip r:embed="rId4">
+          <a:blip r:embed="rId4" cstate="print">
             <a:extLst>
               <a:ext uri="{28A0092B-C50C-407E-A947-70E740481C1C}">
-                <a14:useLocalDpi xmlns:a14="http://schemas.microsoft.com/office/drawing/2010/main" val="0"/>
+                <a14:useLocalDpi xmlns:a14="http://schemas.microsoft.com/office/drawing/2010/main" xmlns="" val="0"/>
               </a:ext>
             </a:extLst>
           </a:blip>
@@ -4939,7 +4963,7 @@
           <a:noFill/>
           <a:extLst>
             <a:ext uri="{909E8E84-426E-40DD-AFC4-6F175D3DCCD1}">
-              <a14:hiddenFill xmlns:a14="http://schemas.microsoft.com/office/drawing/2010/main">
+              <a14:hiddenFill xmlns:a14="http://schemas.microsoft.com/office/drawing/2010/main" xmlns="">
                 <a:solidFill>
                   <a:srgbClr val="FFFFFF"/>
                 </a:solidFill>
@@ -4951,13 +4975,20 @@
     </p:spTree>
     <p:extLst>
       <p:ext uri="{BB962C8B-B14F-4D97-AF65-F5344CB8AC3E}">
-        <p14:creationId xmlns:p14="http://schemas.microsoft.com/office/powerpoint/2010/main" val="4118515457"/>
+        <p14:creationId xmlns:p14="http://schemas.microsoft.com/office/powerpoint/2010/main" xmlns="" val="4118515457"/>
       </p:ext>
     </p:extLst>
   </p:cSld>
   <p:clrMapOvr>
     <a:masterClrMapping/>
   </p:clrMapOvr>
+  <p:timing>
+    <p:tnLst>
+      <p:par>
+        <p:cTn id="1" dur="indefinite" restart="never" nodeType="tmRoot"/>
+      </p:par>
+    </p:tnLst>
+  </p:timing>
 </p:sld>
 </file>
 
@@ -4998,7 +5029,7 @@
           <a:blip r:embed="rId2" cstate="print">
             <a:extLst>
               <a:ext uri="{BEBA8EAE-BF5A-486C-A8C5-ECC9F3942E4B}">
-                <a14:imgProps xmlns:a14="http://schemas.microsoft.com/office/drawing/2010/main">
+                <a14:imgProps xmlns:a14="http://schemas.microsoft.com/office/drawing/2010/main" xmlns="">
                   <a14:imgLayer r:embed="rId3">
                     <a14:imgEffect>
                       <a14:brightnessContrast bright="20000" contrast="40000"/>
@@ -5007,7 +5038,7 @@
                 </a14:imgProps>
               </a:ext>
               <a:ext uri="{28A0092B-C50C-407E-A947-70E740481C1C}">
-                <a14:useLocalDpi xmlns:a14="http://schemas.microsoft.com/office/drawing/2010/main" val="0"/>
+                <a14:useLocalDpi xmlns:a14="http://schemas.microsoft.com/office/drawing/2010/main" xmlns="" val="0"/>
               </a:ext>
             </a:extLst>
           </a:blip>
@@ -5016,8 +5047,8 @@
         </p:blipFill>
         <p:spPr bwMode="auto">
           <a:xfrm>
-            <a:off x="539552" y="2593994"/>
-            <a:ext cx="6336704" cy="3427293"/>
+            <a:off x="539552" y="2708920"/>
+            <a:ext cx="4608512" cy="3312367"/>
           </a:xfrm>
           <a:prstGeom prst="rect">
             <a:avLst/>
@@ -5073,7 +5104,7 @@
           </a:sp3d>
           <a:extLst>
             <a:ext uri="{53640926-AAD7-44D8-BBD7-CCE9431645EC}">
-              <a14:shadowObscured xmlns:a14="http://schemas.microsoft.com/office/drawing/2010/main"/>
+              <a14:shadowObscured xmlns:a14="http://schemas.microsoft.com/office/drawing/2010/main" xmlns=""/>
             </a:ext>
           </a:extLst>
         </p:spPr>
@@ -5215,8 +5246,8 @@
         </p:nvSpPr>
         <p:spPr>
           <a:xfrm>
-            <a:off x="467543" y="1772816"/>
-            <a:ext cx="7560841" cy="677108"/>
+            <a:off x="611560" y="1340768"/>
+            <a:ext cx="8280920" cy="769441"/>
           </a:xfrm>
           <a:prstGeom prst="rect">
             <a:avLst/>
@@ -5243,8 +5274,9 @@
           </a:bodyPr>
           <a:lstStyle/>
           <a:p>
-            <a:r>
-              <a:rPr lang="en-US" sz="2000" dirty="0">
+            <a:pPr algn="ctr"/>
+            <a:r>
+              <a:rPr lang="en-US" sz="2400" dirty="0">
                 <a:ln w="10160">
                   <a:solidFill>
                     <a:schemeClr val="tx1">
@@ -5265,7 +5297,7 @@
               <a:t>Un gadget al </a:t>
             </a:r>
             <a:r>
-              <a:rPr lang="en-US" sz="2000" dirty="0" err="1">
+              <a:rPr lang="en-US" sz="2400" dirty="0" err="1">
                 <a:ln w="10160">
                   <a:solidFill>
                     <a:schemeClr val="tx1">
@@ -5286,7 +5318,7 @@
               <a:t>viitorului</a:t>
             </a:r>
             <a:r>
-              <a:rPr lang="en-US" sz="2000" dirty="0">
+              <a:rPr lang="en-US" sz="2400" dirty="0">
                 <a:ln w="10160">
                   <a:solidFill>
                     <a:schemeClr val="tx1">
@@ -5307,7 +5339,7 @@
               <a:t> in </a:t>
             </a:r>
             <a:r>
-              <a:rPr lang="en-US" sz="2000" dirty="0" err="1">
+              <a:rPr lang="en-US" sz="2400" dirty="0" err="1">
                 <a:ln w="10160">
                   <a:solidFill>
                     <a:schemeClr val="tx1">
@@ -5328,7 +5360,7 @@
               <a:t>stilul</a:t>
             </a:r>
             <a:r>
-              <a:rPr lang="en-US" sz="2000" dirty="0">
+              <a:rPr lang="en-US" sz="2400" dirty="0">
                 <a:ln w="10160">
                   <a:solidFill>
                     <a:schemeClr val="tx1">
@@ -5349,7 +5381,7 @@
               <a:t> </a:t>
             </a:r>
             <a:r>
-              <a:rPr lang="en-US" sz="2000" dirty="0" smtClean="0">
+              <a:rPr lang="en-US" sz="2400" dirty="0" smtClean="0">
                 <a:ln w="10160">
                   <a:solidFill>
                     <a:schemeClr val="tx1">
@@ -5369,7 +5401,7 @@
               </a:rPr>
               <a:t>retro/vintage.</a:t>
             </a:r>
-            <a:endParaRPr lang="de-DE" sz="2000" dirty="0">
+            <a:endParaRPr lang="de-DE" sz="2400" dirty="0">
               <a:ln w="10160">
                 <a:solidFill>
                   <a:schemeClr val="tx1">
@@ -5389,7 +5421,7 @@
             </a:endParaRPr>
           </a:p>
           <a:p>
-            <a:endParaRPr lang="de-DE" b="1" dirty="0">
+            <a:endParaRPr lang="de-DE" sz="2000" b="1" dirty="0">
               <a:ln w="11430"/>
               <a:gradFill>
                 <a:gsLst>
@@ -5427,16 +5459,55 @@
           </a:p>
         </p:txBody>
       </p:sp>
+      <p:pic>
+        <p:nvPicPr>
+          <p:cNvPr id="1026" name="Picture 2"/>
+          <p:cNvPicPr>
+            <a:picLocks noChangeAspect="1" noChangeArrowheads="1"/>
+          </p:cNvPicPr>
+          <p:nvPr/>
+        </p:nvPicPr>
+        <p:blipFill>
+          <a:blip r:embed="rId4" cstate="print"/>
+          <a:srcRect/>
+          <a:stretch>
+            <a:fillRect/>
+          </a:stretch>
+        </p:blipFill>
+        <p:spPr bwMode="auto">
+          <a:xfrm>
+            <a:off x="5364582" y="2310408"/>
+            <a:ext cx="3622643" cy="4358952"/>
+          </a:xfrm>
+          <a:prstGeom prst="rect">
+            <a:avLst/>
+          </a:prstGeom>
+          <a:noFill/>
+          <a:ln w="9525">
+            <a:noFill/>
+            <a:miter lim="800000"/>
+            <a:headEnd/>
+            <a:tailEnd/>
+          </a:ln>
+        </p:spPr>
+      </p:pic>
     </p:spTree>
     <p:extLst>
       <p:ext uri="{BB962C8B-B14F-4D97-AF65-F5344CB8AC3E}">
-        <p14:creationId xmlns:p14="http://schemas.microsoft.com/office/powerpoint/2010/main" val="285712691"/>
+        <p14:creationId xmlns:p14="http://schemas.microsoft.com/office/powerpoint/2010/main" xmlns="" val="285712691"/>
       </p:ext>
     </p:extLst>
   </p:cSld>
   <p:clrMapOvr>
     <a:masterClrMapping/>
   </p:clrMapOvr>
+  <p:timing>
+    <p:tnLst>
+      <p:par>
+        <p:cTn id="1" dur="indefinite" restart="never" nodeType="tmRoot"/>
+      </p:par>
+    </p:tnLst>
+  </p:timing>
 </p:sld>
 </file>
 
@@ -5467,13 +5538,19 @@
             <p:ph idx="1"/>
           </p:nvPr>
         </p:nvSpPr>
-        <p:spPr/>
+        <p:spPr>
+          <a:xfrm>
+            <a:off x="457200" y="1481328"/>
+            <a:ext cx="8075240" cy="4525963"/>
+          </a:xfrm>
+        </p:spPr>
         <p:txBody>
           <a:bodyPr>
-            <a:normAutofit lnSpcReduction="10000"/>
+            <a:normAutofit fontScale="92500"/>
           </a:bodyPr>
           <a:lstStyle/>
           <a:p>
+            <a:pPr algn="just"/>
             <a:r>
               <a:rPr lang="en-US" b="1" dirty="0" err="1">
                 <a:ln w="1905"/>
@@ -6480,8 +6557,39 @@
                   </a:outerShdw>
                 </a:effectLst>
               </a:rPr>
-              <a:t>mobile.</a:t>
-            </a:r>
+              <a:t>mobile</a:t>
+            </a:r>
+            <a:r>
+              <a:rPr lang="en-US" b="1" dirty="0" smtClean="0">
+                <a:ln w="1905"/>
+                <a:solidFill>
+                  <a:srgbClr val="002060"/>
+                </a:solidFill>
+                <a:effectLst>
+                  <a:outerShdw blurRad="38100" dist="38100" dir="2700000" algn="tl">
+                    <a:srgbClr val="000000">
+                      <a:alpha val="43137"/>
+                    </a:srgbClr>
+                  </a:outerShdw>
+                </a:effectLst>
+              </a:rPr>
+              <a:t>.</a:t>
+            </a:r>
+          </a:p>
+          <a:p>
+            <a:endParaRPr lang="en-US" b="1" dirty="0" smtClean="0">
+              <a:ln w="1905"/>
+              <a:solidFill>
+                <a:srgbClr val="002060"/>
+              </a:solidFill>
+              <a:effectLst>
+                <a:outerShdw blurRad="38100" dist="38100" dir="2700000" algn="tl">
+                  <a:srgbClr val="000000">
+                    <a:alpha val="43137"/>
+                  </a:srgbClr>
+                </a:outerShdw>
+              </a:effectLst>
+            </a:endParaRPr>
           </a:p>
           <a:p>
             <a:r>
@@ -7027,13 +7135,20 @@
     </p:spTree>
     <p:extLst>
       <p:ext uri="{BB962C8B-B14F-4D97-AF65-F5344CB8AC3E}">
-        <p14:creationId xmlns:p14="http://schemas.microsoft.com/office/powerpoint/2010/main" val="526653921"/>
+        <p14:creationId xmlns:p14="http://schemas.microsoft.com/office/powerpoint/2010/main" xmlns="" val="526653921"/>
       </p:ext>
     </p:extLst>
   </p:cSld>
   <p:clrMapOvr>
     <a:masterClrMapping/>
   </p:clrMapOvr>
+  <p:timing>
+    <p:tnLst>
+      <p:par>
+        <p:cTn id="1" dur="indefinite" restart="never" nodeType="tmRoot"/>
+      </p:par>
+    </p:tnLst>
+  </p:timing>
 </p:sld>
 </file>
 
@@ -7152,10 +7267,10 @@
           <p:nvPr/>
         </p:nvPicPr>
         <p:blipFill>
-          <a:blip r:embed="rId2">
+          <a:blip r:embed="rId2" cstate="print">
             <a:extLst>
               <a:ext uri="{28A0092B-C50C-407E-A947-70E740481C1C}">
-                <a14:useLocalDpi xmlns:a14="http://schemas.microsoft.com/office/drawing/2010/main" val="0"/>
+                <a14:useLocalDpi xmlns:a14="http://schemas.microsoft.com/office/drawing/2010/main" xmlns="" val="0"/>
               </a:ext>
             </a:extLst>
           </a:blip>
@@ -7175,7 +7290,7 @@
           <a:noFill/>
           <a:extLst>
             <a:ext uri="{909E8E84-426E-40DD-AFC4-6F175D3DCCD1}">
-              <a14:hiddenFill xmlns:a14="http://schemas.microsoft.com/office/drawing/2010/main">
+              <a14:hiddenFill xmlns:a14="http://schemas.microsoft.com/office/drawing/2010/main" xmlns="">
                 <a:solidFill>
                   <a:srgbClr val="FFFFFF"/>
                 </a:solidFill>
@@ -7271,13 +7386,20 @@
     </p:spTree>
     <p:extLst>
       <p:ext uri="{BB962C8B-B14F-4D97-AF65-F5344CB8AC3E}">
-        <p14:creationId xmlns:p14="http://schemas.microsoft.com/office/powerpoint/2010/main" val="2167455036"/>
+        <p14:creationId xmlns:p14="http://schemas.microsoft.com/office/powerpoint/2010/main" xmlns="" val="2167455036"/>
       </p:ext>
     </p:extLst>
   </p:cSld>
   <p:clrMapOvr>
     <a:masterClrMapping/>
   </p:clrMapOvr>
+  <p:timing>
+    <p:tnLst>
+      <p:par>
+        <p:cTn id="1" dur="indefinite" restart="never" nodeType="tmRoot"/>
+      </p:par>
+    </p:tnLst>
+  </p:timing>
 </p:sld>
 </file>
 
@@ -7348,6 +7470,38 @@
                   </a:outerShdw>
                 </a:effectLst>
               </a:rPr>
+              <a:t> ca in </a:t>
+            </a:r>
+            <a:r>
+              <a:rPr lang="en-US" b="1" dirty="0" err="1">
+                <a:ln w="1905"/>
+                <a:solidFill>
+                  <a:srgbClr val="002060"/>
+                </a:solidFill>
+                <a:effectLst>
+                  <a:outerShdw blurRad="38100" dist="38100" dir="2700000" algn="tl">
+                    <a:srgbClr val="000000">
+                      <a:alpha val="43137"/>
+                    </a:srgbClr>
+                  </a:outerShdw>
+                </a:effectLst>
+              </a:rPr>
+              <a:t>viitor</a:t>
+            </a:r>
+            <a:r>
+              <a:rPr lang="en-US" b="1" dirty="0">
+                <a:ln w="1905"/>
+                <a:solidFill>
+                  <a:srgbClr val="002060"/>
+                </a:solidFill>
+                <a:effectLst>
+                  <a:outerShdw blurRad="38100" dist="38100" dir="2700000" algn="tl">
+                    <a:srgbClr val="000000">
+                      <a:alpha val="43137"/>
+                    </a:srgbClr>
+                  </a:outerShdw>
+                </a:effectLst>
+              </a:rPr>
               <a:t> </a:t>
             </a:r>
             <a:r>
@@ -7364,7 +7518,7 @@
                   </a:outerShdw>
                 </a:effectLst>
               </a:rPr>
-              <a:t>ca</a:t>
+              <a:t>acest</a:t>
             </a:r>
             <a:r>
               <a:rPr lang="en-US" b="1" dirty="0">
@@ -7380,7 +7534,7 @@
                   </a:outerShdw>
                 </a:effectLst>
               </a:rPr>
-              <a:t> in </a:t>
+              <a:t> gadget </a:t>
             </a:r>
             <a:r>
               <a:rPr lang="en-US" b="1" dirty="0" err="1">
@@ -7396,7 +7550,7 @@
                   </a:outerShdw>
                 </a:effectLst>
               </a:rPr>
-              <a:t>viitor</a:t>
+              <a:t>sa</a:t>
             </a:r>
             <a:r>
               <a:rPr lang="en-US" b="1" dirty="0">
@@ -7412,6 +7566,70 @@
                   </a:outerShdw>
                 </a:effectLst>
               </a:rPr>
+              <a:t> fie </a:t>
+            </a:r>
+            <a:r>
+              <a:rPr lang="en-US" b="1" dirty="0" err="1">
+                <a:ln w="1905"/>
+                <a:solidFill>
+                  <a:srgbClr val="002060"/>
+                </a:solidFill>
+                <a:effectLst>
+                  <a:outerShdw blurRad="38100" dist="38100" dir="2700000" algn="tl">
+                    <a:srgbClr val="000000">
+                      <a:alpha val="43137"/>
+                    </a:srgbClr>
+                  </a:outerShdw>
+                </a:effectLst>
+              </a:rPr>
+              <a:t>folosit</a:t>
+            </a:r>
+            <a:r>
+              <a:rPr lang="en-US" b="1" dirty="0">
+                <a:ln w="1905"/>
+                <a:solidFill>
+                  <a:srgbClr val="002060"/>
+                </a:solidFill>
+                <a:effectLst>
+                  <a:outerShdw blurRad="38100" dist="38100" dir="2700000" algn="tl">
+                    <a:srgbClr val="000000">
+                      <a:alpha val="43137"/>
+                    </a:srgbClr>
+                  </a:outerShdw>
+                </a:effectLst>
+              </a:rPr>
+              <a:t> la </a:t>
+            </a:r>
+            <a:r>
+              <a:rPr lang="en-US" b="1" dirty="0" err="1">
+                <a:ln w="1905"/>
+                <a:solidFill>
+                  <a:srgbClr val="002060"/>
+                </a:solidFill>
+                <a:effectLst>
+                  <a:outerShdw blurRad="38100" dist="38100" dir="2700000" algn="tl">
+                    <a:srgbClr val="000000">
+                      <a:alpha val="43137"/>
+                    </a:srgbClr>
+                  </a:outerShdw>
+                </a:effectLst>
+              </a:rPr>
+              <a:t>scara</a:t>
+            </a:r>
+            <a:r>
+              <a:rPr lang="en-US" b="1" dirty="0">
+                <a:ln w="1905"/>
+                <a:solidFill>
+                  <a:srgbClr val="002060"/>
+                </a:solidFill>
+                <a:effectLst>
+                  <a:outerShdw blurRad="38100" dist="38100" dir="2700000" algn="tl">
+                    <a:srgbClr val="000000">
+                      <a:alpha val="43137"/>
+                    </a:srgbClr>
+                  </a:outerShdw>
+                </a:effectLst>
+              </a:rPr>
               <a:t> </a:t>
             </a:r>
             <a:r>
@@ -7428,7 +7646,7 @@
                   </a:outerShdw>
                 </a:effectLst>
               </a:rPr>
-              <a:t>acest</a:t>
+              <a:t>larga</a:t>
             </a:r>
             <a:r>
               <a:rPr lang="en-US" b="1" dirty="0">
@@ -7444,7 +7662,7 @@
                   </a:outerShdw>
                 </a:effectLst>
               </a:rPr>
-              <a:t> gadget </a:t>
+              <a:t> </a:t>
             </a:r>
             <a:r>
               <a:rPr lang="en-US" b="1" dirty="0" err="1">
@@ -7460,6 +7678,38 @@
                   </a:outerShdw>
                 </a:effectLst>
               </a:rPr>
+              <a:t>si</a:t>
+            </a:r>
+            <a:r>
+              <a:rPr lang="en-US" b="1" dirty="0">
+                <a:ln w="1905"/>
+                <a:solidFill>
+                  <a:srgbClr val="002060"/>
+                </a:solidFill>
+                <a:effectLst>
+                  <a:outerShdw blurRad="38100" dist="38100" dir="2700000" algn="tl">
+                    <a:srgbClr val="000000">
+                      <a:alpha val="43137"/>
+                    </a:srgbClr>
+                  </a:outerShdw>
+                </a:effectLst>
+              </a:rPr>
+              <a:t> </a:t>
+            </a:r>
+            <a:r>
+              <a:rPr lang="en-US" b="1" dirty="0" err="1">
+                <a:ln w="1905"/>
+                <a:solidFill>
+                  <a:srgbClr val="002060"/>
+                </a:solidFill>
+                <a:effectLst>
+                  <a:outerShdw blurRad="38100" dist="38100" dir="2700000" algn="tl">
+                    <a:srgbClr val="000000">
+                      <a:alpha val="43137"/>
+                    </a:srgbClr>
+                  </a:outerShdw>
+                </a:effectLst>
+              </a:rPr>
               <a:t>sa</a:t>
             </a:r>
             <a:r>
@@ -7476,7 +7726,7 @@
                   </a:outerShdw>
                 </a:effectLst>
               </a:rPr>
-              <a:t> fie </a:t>
+              <a:t> ne </a:t>
             </a:r>
             <a:r>
               <a:rPr lang="en-US" b="1" dirty="0" err="1">
@@ -7492,7 +7742,7 @@
                   </a:outerShdw>
                 </a:effectLst>
               </a:rPr>
-              <a:t>folosit</a:t>
+              <a:t>faca</a:t>
             </a:r>
             <a:r>
               <a:rPr lang="en-US" b="1" dirty="0">
@@ -7508,7 +7758,7 @@
                   </a:outerShdw>
                 </a:effectLst>
               </a:rPr>
-              <a:t> la </a:t>
+              <a:t> </a:t>
             </a:r>
             <a:r>
               <a:rPr lang="en-US" b="1" dirty="0" err="1">
@@ -7524,7 +7774,7 @@
                   </a:outerShdw>
                 </a:effectLst>
               </a:rPr>
-              <a:t>scara</a:t>
+              <a:t>tuturor</a:t>
             </a:r>
             <a:r>
               <a:rPr lang="en-US" b="1" dirty="0">
@@ -7556,7 +7806,7 @@
                   </a:outerShdw>
                 </a:effectLst>
               </a:rPr>
-              <a:t>larga</a:t>
+              <a:t>viata</a:t>
             </a:r>
             <a:r>
               <a:rPr lang="en-US" b="1" dirty="0">
@@ -7588,7 +7838,7 @@
                   </a:outerShdw>
                 </a:effectLst>
               </a:rPr>
-              <a:t>si</a:t>
+              <a:t>mai</a:t>
             </a:r>
             <a:r>
               <a:rPr lang="en-US" b="1" dirty="0">
@@ -7620,7 +7870,7 @@
                   </a:outerShdw>
                 </a:effectLst>
               </a:rPr>
-              <a:t>sa</a:t>
+              <a:t>usoara</a:t>
             </a:r>
             <a:r>
               <a:rPr lang="en-US" b="1" dirty="0">
@@ -7636,7 +7886,7 @@
                   </a:outerShdw>
                 </a:effectLst>
               </a:rPr>
-              <a:t> ne </a:t>
+              <a:t>, </a:t>
             </a:r>
             <a:r>
               <a:rPr lang="en-US" b="1" dirty="0" err="1">
@@ -7652,7 +7902,7 @@
                   </a:outerShdw>
                 </a:effectLst>
               </a:rPr>
-              <a:t>faca</a:t>
+              <a:t>prin</a:t>
             </a:r>
             <a:r>
               <a:rPr lang="en-US" b="1" dirty="0">
@@ -7684,7 +7934,7 @@
                   </a:outerShdw>
                 </a:effectLst>
               </a:rPr>
-              <a:t>tuturor</a:t>
+              <a:t>intermediul</a:t>
             </a:r>
             <a:r>
               <a:rPr lang="en-US" b="1" dirty="0">
@@ -7716,7 +7966,7 @@
                   </a:outerShdw>
                 </a:effectLst>
               </a:rPr>
-              <a:t>viata</a:t>
+              <a:t>unicului</a:t>
             </a:r>
             <a:r>
               <a:rPr lang="en-US" b="1" dirty="0">
@@ -7748,7 +7998,7 @@
                   </a:outerShdw>
                 </a:effectLst>
               </a:rPr>
-              <a:t>mai</a:t>
+              <a:t>buton</a:t>
             </a:r>
             <a:r>
               <a:rPr lang="en-US" b="1" dirty="0">
@@ -7764,9 +8014,73 @@
                   </a:outerShdw>
                 </a:effectLst>
               </a:rPr>
+              <a:t> care ne tine la un </a:t>
+            </a:r>
+            <a:r>
+              <a:rPr lang="en-US" b="1" dirty="0" smtClean="0">
+                <a:ln w="1905"/>
+                <a:solidFill>
+                  <a:srgbClr val="002060"/>
+                </a:solidFill>
+                <a:effectLst>
+                  <a:outerShdw blurRad="38100" dist="38100" dir="2700000" algn="tl">
+                    <a:srgbClr val="000000">
+                      <a:alpha val="43137"/>
+                    </a:srgbClr>
+                  </a:outerShdw>
+                </a:effectLst>
+              </a:rPr>
+              <a:t>push </a:t>
+            </a:r>
+            <a:r>
+              <a:rPr lang="en-US" b="1" dirty="0" err="1" smtClean="0">
+                <a:ln w="1905"/>
+                <a:solidFill>
+                  <a:srgbClr val="002060"/>
+                </a:solidFill>
+                <a:effectLst>
+                  <a:outerShdw blurRad="38100" dist="38100" dir="2700000" algn="tl">
+                    <a:srgbClr val="000000">
+                      <a:alpha val="43137"/>
+                    </a:srgbClr>
+                  </a:outerShdw>
+                </a:effectLst>
+              </a:rPr>
+              <a:t>distanta</a:t>
+            </a:r>
+            <a:r>
+              <a:rPr lang="en-US" b="1" dirty="0" smtClean="0">
+                <a:ln w="1905"/>
+                <a:solidFill>
+                  <a:srgbClr val="002060"/>
+                </a:solidFill>
+                <a:effectLst>
+                  <a:outerShdw blurRad="38100" dist="38100" dir="2700000" algn="tl">
+                    <a:srgbClr val="000000">
+                      <a:alpha val="43137"/>
+                    </a:srgbClr>
+                  </a:outerShdw>
+                </a:effectLst>
+              </a:rPr>
               <a:t> </a:t>
             </a:r>
             <a:r>
+              <a:rPr lang="en-US" b="1" dirty="0">
+                <a:ln w="1905"/>
+                <a:solidFill>
+                  <a:srgbClr val="002060"/>
+                </a:solidFill>
+                <a:effectLst>
+                  <a:outerShdw blurRad="38100" dist="38100" dir="2700000" algn="tl">
+                    <a:srgbClr val="000000">
+                      <a:alpha val="43137"/>
+                    </a:srgbClr>
+                  </a:outerShdw>
+                </a:effectLst>
+              </a:rPr>
+              <a:t>de </a:t>
+            </a:r>
+            <a:r>
               <a:rPr lang="en-US" b="1" dirty="0" err="1">
                 <a:ln w="1905"/>
                 <a:solidFill>
@@ -7780,7 +8094,7 @@
                   </a:outerShdw>
                 </a:effectLst>
               </a:rPr>
-              <a:t>usoara</a:t>
+              <a:t>toate</a:t>
             </a:r>
             <a:r>
               <a:rPr lang="en-US" b="1" dirty="0">
@@ -7796,6 +8110,332 @@
                   </a:outerShdw>
                 </a:effectLst>
               </a:rPr>
+              <a:t> </a:t>
+            </a:r>
+            <a:r>
+              <a:rPr lang="en-US" b="1" dirty="0" err="1">
+                <a:ln w="1905"/>
+                <a:solidFill>
+                  <a:srgbClr val="002060"/>
+                </a:solidFill>
+                <a:effectLst>
+                  <a:outerShdw blurRad="38100" dist="38100" dir="2700000" algn="tl">
+                    <a:srgbClr val="000000">
+                      <a:alpha val="43137"/>
+                    </a:srgbClr>
+                  </a:outerShdw>
+                </a:effectLst>
+              </a:rPr>
+              <a:t>informatiile</a:t>
+            </a:r>
+            <a:r>
+              <a:rPr lang="en-US" b="1" dirty="0">
+                <a:ln w="1905"/>
+                <a:solidFill>
+                  <a:srgbClr val="002060"/>
+                </a:solidFill>
+                <a:effectLst>
+                  <a:outerShdw blurRad="38100" dist="38100" dir="2700000" algn="tl">
+                    <a:srgbClr val="000000">
+                      <a:alpha val="43137"/>
+                    </a:srgbClr>
+                  </a:outerShdw>
+                </a:effectLst>
+              </a:rPr>
+              <a:t> </a:t>
+            </a:r>
+            <a:r>
+              <a:rPr lang="en-US" b="1" dirty="0" err="1">
+                <a:ln w="1905"/>
+                <a:solidFill>
+                  <a:srgbClr val="002060"/>
+                </a:solidFill>
+                <a:effectLst>
+                  <a:outerShdw blurRad="38100" dist="38100" dir="2700000" algn="tl">
+                    <a:srgbClr val="000000">
+                      <a:alpha val="43137"/>
+                    </a:srgbClr>
+                  </a:outerShdw>
+                </a:effectLst>
+              </a:rPr>
+              <a:t>necesare</a:t>
+            </a:r>
+            <a:r>
+              <a:rPr lang="en-US" b="1" dirty="0">
+                <a:ln w="1905"/>
+                <a:solidFill>
+                  <a:srgbClr val="002060"/>
+                </a:solidFill>
+                <a:effectLst>
+                  <a:outerShdw blurRad="38100" dist="38100" dir="2700000" algn="tl">
+                    <a:srgbClr val="000000">
+                      <a:alpha val="43137"/>
+                    </a:srgbClr>
+                  </a:outerShdw>
+                </a:effectLst>
+              </a:rPr>
+              <a:t>, cum </a:t>
+            </a:r>
+            <a:r>
+              <a:rPr lang="en-US" b="1" dirty="0" err="1">
+                <a:ln w="1905"/>
+                <a:solidFill>
+                  <a:srgbClr val="002060"/>
+                </a:solidFill>
+                <a:effectLst>
+                  <a:outerShdw blurRad="38100" dist="38100" dir="2700000" algn="tl">
+                    <a:srgbClr val="000000">
+                      <a:alpha val="43137"/>
+                    </a:srgbClr>
+                  </a:outerShdw>
+                </a:effectLst>
+              </a:rPr>
+              <a:t>ar</a:t>
+            </a:r>
+            <a:r>
+              <a:rPr lang="en-US" b="1" dirty="0">
+                <a:ln w="1905"/>
+                <a:solidFill>
+                  <a:srgbClr val="002060"/>
+                </a:solidFill>
+                <a:effectLst>
+                  <a:outerShdw blurRad="38100" dist="38100" dir="2700000" algn="tl">
+                    <a:srgbClr val="000000">
+                      <a:alpha val="43137"/>
+                    </a:srgbClr>
+                  </a:outerShdw>
+                </a:effectLst>
+              </a:rPr>
+              <a:t> </a:t>
+            </a:r>
+            <a:r>
+              <a:rPr lang="en-US" b="1" dirty="0" err="1" smtClean="0">
+                <a:ln w="1905"/>
+                <a:solidFill>
+                  <a:srgbClr val="002060"/>
+                </a:solidFill>
+                <a:effectLst>
+                  <a:outerShdw blurRad="38100" dist="38100" dir="2700000" algn="tl">
+                    <a:srgbClr val="000000">
+                      <a:alpha val="43137"/>
+                    </a:srgbClr>
+                  </a:outerShdw>
+                </a:effectLst>
+              </a:rPr>
+              <a:t>fi</a:t>
+            </a:r>
+            <a:r>
+              <a:rPr lang="en-US" b="1" dirty="0" smtClean="0">
+                <a:ln w="1905"/>
+                <a:solidFill>
+                  <a:srgbClr val="002060"/>
+                </a:solidFill>
+                <a:effectLst>
+                  <a:outerShdw blurRad="38100" dist="38100" dir="2700000" algn="tl">
+                    <a:srgbClr val="000000">
+                      <a:alpha val="43137"/>
+                    </a:srgbClr>
+                  </a:outerShdw>
+                </a:effectLst>
+              </a:rPr>
+              <a:t>:</a:t>
+            </a:r>
+          </a:p>
+          <a:p>
+            <a:pPr lvl="1"/>
+            <a:r>
+              <a:rPr lang="en-US" b="1" dirty="0" err="1" smtClean="0">
+                <a:ln w="1905"/>
+                <a:solidFill>
+                  <a:srgbClr val="002060"/>
+                </a:solidFill>
+                <a:effectLst>
+                  <a:outerShdw blurRad="38100" dist="38100" dir="2700000" algn="tl">
+                    <a:srgbClr val="000000">
+                      <a:alpha val="43137"/>
+                    </a:srgbClr>
+                  </a:outerShdw>
+                </a:effectLst>
+              </a:rPr>
+              <a:t>stiri</a:t>
+            </a:r>
+            <a:endParaRPr lang="en-US" b="1" dirty="0" smtClean="0">
+              <a:ln w="1905"/>
+              <a:solidFill>
+                <a:srgbClr val="002060"/>
+              </a:solidFill>
+              <a:effectLst>
+                <a:outerShdw blurRad="38100" dist="38100" dir="2700000" algn="tl">
+                  <a:srgbClr val="000000">
+                    <a:alpha val="43137"/>
+                  </a:srgbClr>
+                </a:outerShdw>
+              </a:effectLst>
+            </a:endParaRPr>
+          </a:p>
+          <a:p>
+            <a:pPr lvl="1"/>
+            <a:r>
+              <a:rPr lang="en-US" b="1" dirty="0" err="1" smtClean="0">
+                <a:ln w="1905"/>
+                <a:solidFill>
+                  <a:srgbClr val="002060"/>
+                </a:solidFill>
+                <a:effectLst>
+                  <a:outerShdw blurRad="38100" dist="38100" dir="2700000" algn="tl">
+                    <a:srgbClr val="000000">
+                      <a:alpha val="43137"/>
+                    </a:srgbClr>
+                  </a:outerShdw>
+                </a:effectLst>
+              </a:rPr>
+              <a:t>meteo</a:t>
+            </a:r>
+            <a:r>
+              <a:rPr lang="en-US" b="1" dirty="0" smtClean="0">
+                <a:ln w="1905"/>
+                <a:solidFill>
+                  <a:srgbClr val="002060"/>
+                </a:solidFill>
+                <a:effectLst>
+                  <a:outerShdw blurRad="38100" dist="38100" dir="2700000" algn="tl">
+                    <a:srgbClr val="000000">
+                      <a:alpha val="43137"/>
+                    </a:srgbClr>
+                  </a:outerShdw>
+                </a:effectLst>
+              </a:rPr>
+              <a:t> </a:t>
+            </a:r>
+          </a:p>
+          <a:p>
+            <a:pPr lvl="1"/>
+            <a:r>
+              <a:rPr lang="en-US" b="1" dirty="0" err="1" smtClean="0">
+                <a:ln w="1905"/>
+                <a:solidFill>
+                  <a:srgbClr val="002060"/>
+                </a:solidFill>
+                <a:effectLst>
+                  <a:outerShdw blurRad="38100" dist="38100" dir="2700000" algn="tl">
+                    <a:srgbClr val="000000">
+                      <a:alpha val="43137"/>
+                    </a:srgbClr>
+                  </a:outerShdw>
+                </a:effectLst>
+              </a:rPr>
+              <a:t>notificarile</a:t>
+            </a:r>
+            <a:r>
+              <a:rPr lang="en-US" b="1" dirty="0" smtClean="0">
+                <a:ln w="1905"/>
+                <a:solidFill>
+                  <a:srgbClr val="002060"/>
+                </a:solidFill>
+                <a:effectLst>
+                  <a:outerShdw blurRad="38100" dist="38100" dir="2700000" algn="tl">
+                    <a:srgbClr val="000000">
+                      <a:alpha val="43137"/>
+                    </a:srgbClr>
+                  </a:outerShdw>
+                </a:effectLst>
+              </a:rPr>
+              <a:t> </a:t>
+            </a:r>
+            <a:r>
+              <a:rPr lang="en-US" b="1" dirty="0" err="1">
+                <a:ln w="1905"/>
+                <a:solidFill>
+                  <a:srgbClr val="002060"/>
+                </a:solidFill>
+                <a:effectLst>
+                  <a:outerShdw blurRad="38100" dist="38100" dir="2700000" algn="tl">
+                    <a:srgbClr val="000000">
+                      <a:alpha val="43137"/>
+                    </a:srgbClr>
+                  </a:outerShdw>
+                </a:effectLst>
+              </a:rPr>
+              <a:t>retelelor</a:t>
+            </a:r>
+            <a:r>
+              <a:rPr lang="en-US" b="1" dirty="0">
+                <a:ln w="1905"/>
+                <a:solidFill>
+                  <a:srgbClr val="002060"/>
+                </a:solidFill>
+                <a:effectLst>
+                  <a:outerShdw blurRad="38100" dist="38100" dir="2700000" algn="tl">
+                    <a:srgbClr val="000000">
+                      <a:alpha val="43137"/>
+                    </a:srgbClr>
+                  </a:outerShdw>
+                </a:effectLst>
+              </a:rPr>
+              <a:t> de </a:t>
+            </a:r>
+            <a:r>
+              <a:rPr lang="en-US" b="1" dirty="0" err="1">
+                <a:ln w="1905"/>
+                <a:solidFill>
+                  <a:srgbClr val="002060"/>
+                </a:solidFill>
+                <a:effectLst>
+                  <a:outerShdw blurRad="38100" dist="38100" dir="2700000" algn="tl">
+                    <a:srgbClr val="000000">
+                      <a:alpha val="43137"/>
+                    </a:srgbClr>
+                  </a:outerShdw>
+                </a:effectLst>
+              </a:rPr>
+              <a:t>socializare</a:t>
+            </a:r>
+            <a:r>
+              <a:rPr lang="en-US" b="1" dirty="0">
+                <a:ln w="1905"/>
+                <a:solidFill>
+                  <a:srgbClr val="002060"/>
+                </a:solidFill>
+                <a:effectLst>
+                  <a:outerShdw blurRad="38100" dist="38100" dir="2700000" algn="tl">
+                    <a:srgbClr val="000000">
+                      <a:alpha val="43137"/>
+                    </a:srgbClr>
+                  </a:outerShdw>
+                </a:effectLst>
+              </a:rPr>
+              <a:t>(</a:t>
+            </a:r>
+            <a:r>
+              <a:rPr lang="en-US" b="1" dirty="0" err="1">
+                <a:ln w="1905"/>
+                <a:solidFill>
+                  <a:srgbClr val="002060"/>
+                </a:solidFill>
+                <a:effectLst>
+                  <a:outerShdw blurRad="38100" dist="38100" dir="2700000" algn="tl">
+                    <a:srgbClr val="000000">
+                      <a:alpha val="43137"/>
+                    </a:srgbClr>
+                  </a:outerShdw>
+                </a:effectLst>
+              </a:rPr>
+              <a:t>facebook</a:t>
+            </a:r>
+            <a:r>
+              <a:rPr lang="en-US" b="1" dirty="0">
+                <a:ln w="1905"/>
+                <a:solidFill>
+                  <a:srgbClr val="002060"/>
+                </a:solidFill>
+                <a:effectLst>
+                  <a:outerShdw blurRad="38100" dist="38100" dir="2700000" algn="tl">
+                    <a:srgbClr val="000000">
+                      <a:alpha val="43137"/>
+                    </a:srgbClr>
+                  </a:outerShdw>
+                </a:effectLst>
+              </a:rPr>
               <a:t>, </a:t>
             </a:r>
             <a:r>
@@ -7812,119 +8452,7 @@
                   </a:outerShdw>
                 </a:effectLst>
               </a:rPr>
-              <a:t>prin</a:t>
-            </a:r>
-            <a:r>
-              <a:rPr lang="en-US" b="1" dirty="0">
-                <a:ln w="1905"/>
-                <a:solidFill>
-                  <a:srgbClr val="002060"/>
-                </a:solidFill>
-                <a:effectLst>
-                  <a:outerShdw blurRad="38100" dist="38100" dir="2700000" algn="tl">
-                    <a:srgbClr val="000000">
-                      <a:alpha val="43137"/>
-                    </a:srgbClr>
-                  </a:outerShdw>
-                </a:effectLst>
-              </a:rPr>
-              <a:t> </a:t>
-            </a:r>
-            <a:r>
-              <a:rPr lang="en-US" b="1" dirty="0" err="1">
-                <a:ln w="1905"/>
-                <a:solidFill>
-                  <a:srgbClr val="002060"/>
-                </a:solidFill>
-                <a:effectLst>
-                  <a:outerShdw blurRad="38100" dist="38100" dir="2700000" algn="tl">
-                    <a:srgbClr val="000000">
-                      <a:alpha val="43137"/>
-                    </a:srgbClr>
-                  </a:outerShdw>
-                </a:effectLst>
-              </a:rPr>
-              <a:t>intermediul</a:t>
-            </a:r>
-            <a:r>
-              <a:rPr lang="en-US" b="1" dirty="0">
-                <a:ln w="1905"/>
-                <a:solidFill>
-                  <a:srgbClr val="002060"/>
-                </a:solidFill>
-                <a:effectLst>
-                  <a:outerShdw blurRad="38100" dist="38100" dir="2700000" algn="tl">
-                    <a:srgbClr val="000000">
-                      <a:alpha val="43137"/>
-                    </a:srgbClr>
-                  </a:outerShdw>
-                </a:effectLst>
-              </a:rPr>
-              <a:t> </a:t>
-            </a:r>
-            <a:r>
-              <a:rPr lang="en-US" b="1" dirty="0" err="1">
-                <a:ln w="1905"/>
-                <a:solidFill>
-                  <a:srgbClr val="002060"/>
-                </a:solidFill>
-                <a:effectLst>
-                  <a:outerShdw blurRad="38100" dist="38100" dir="2700000" algn="tl">
-                    <a:srgbClr val="000000">
-                      <a:alpha val="43137"/>
-                    </a:srgbClr>
-                  </a:outerShdw>
-                </a:effectLst>
-              </a:rPr>
-              <a:t>unicului</a:t>
-            </a:r>
-            <a:r>
-              <a:rPr lang="en-US" b="1" dirty="0">
-                <a:ln w="1905"/>
-                <a:solidFill>
-                  <a:srgbClr val="002060"/>
-                </a:solidFill>
-                <a:effectLst>
-                  <a:outerShdw blurRad="38100" dist="38100" dir="2700000" algn="tl">
-                    <a:srgbClr val="000000">
-                      <a:alpha val="43137"/>
-                    </a:srgbClr>
-                  </a:outerShdw>
-                </a:effectLst>
-              </a:rPr>
-              <a:t> </a:t>
-            </a:r>
-            <a:r>
-              <a:rPr lang="en-US" b="1" dirty="0" err="1">
-                <a:ln w="1905"/>
-                <a:solidFill>
-                  <a:srgbClr val="002060"/>
-                </a:solidFill>
-                <a:effectLst>
-                  <a:outerShdw blurRad="38100" dist="38100" dir="2700000" algn="tl">
-                    <a:srgbClr val="000000">
-                      <a:alpha val="43137"/>
-                    </a:srgbClr>
-                  </a:outerShdw>
-                </a:effectLst>
-              </a:rPr>
-              <a:t>buton</a:t>
-            </a:r>
-            <a:r>
-              <a:rPr lang="en-US" b="1" dirty="0">
-                <a:ln w="1905"/>
-                <a:solidFill>
-                  <a:srgbClr val="002060"/>
-                </a:solidFill>
-                <a:effectLst>
-                  <a:outerShdw blurRad="38100" dist="38100" dir="2700000" algn="tl">
-                    <a:srgbClr val="000000">
-                      <a:alpha val="43137"/>
-                    </a:srgbClr>
-                  </a:outerShdw>
-                </a:effectLst>
-              </a:rPr>
-              <a:t> care ne tine la un </a:t>
+              <a:t>twiter</a:t>
             </a:r>
             <a:r>
               <a:rPr lang="en-US" b="1" dirty="0" smtClean="0">
@@ -7940,24 +8468,11 @@
                   </a:outerShdw>
                 </a:effectLst>
               </a:rPr>
-              <a:t>push </a:t>
-            </a:r>
-            <a:r>
-              <a:rPr lang="en-US" b="1" dirty="0" err="1" smtClean="0">
-                <a:ln w="1905"/>
-                <a:solidFill>
-                  <a:srgbClr val="002060"/>
-                </a:solidFill>
-                <a:effectLst>
-                  <a:outerShdw blurRad="38100" dist="38100" dir="2700000" algn="tl">
-                    <a:srgbClr val="000000">
-                      <a:alpha val="43137"/>
-                    </a:srgbClr>
-                  </a:outerShdw>
-                </a:effectLst>
-              </a:rPr>
-              <a:t>distanta</a:t>
-            </a:r>
+              <a:t>)</a:t>
+            </a:r>
+          </a:p>
+          <a:p>
+            <a:pPr lvl="1"/>
             <a:r>
               <a:rPr lang="en-US" b="1" dirty="0" smtClean="0">
                 <a:ln w="1905"/>
@@ -7972,407 +8487,23 @@
                   </a:outerShdw>
                 </a:effectLst>
               </a:rPr>
-              <a:t> </a:t>
-            </a:r>
-            <a:r>
-              <a:rPr lang="en-US" b="1" dirty="0">
-                <a:ln w="1905"/>
-                <a:solidFill>
-                  <a:srgbClr val="002060"/>
-                </a:solidFill>
-                <a:effectLst>
-                  <a:outerShdw blurRad="38100" dist="38100" dir="2700000" algn="tl">
-                    <a:srgbClr val="000000">
-                      <a:alpha val="43137"/>
-                    </a:srgbClr>
-                  </a:outerShdw>
-                </a:effectLst>
-              </a:rPr>
-              <a:t>de </a:t>
-            </a:r>
-            <a:r>
-              <a:rPr lang="en-US" b="1" dirty="0" err="1">
-                <a:ln w="1905"/>
-                <a:solidFill>
-                  <a:srgbClr val="002060"/>
-                </a:solidFill>
-                <a:effectLst>
-                  <a:outerShdw blurRad="38100" dist="38100" dir="2700000" algn="tl">
-                    <a:srgbClr val="000000">
-                      <a:alpha val="43137"/>
-                    </a:srgbClr>
-                  </a:outerShdw>
-                </a:effectLst>
-              </a:rPr>
-              <a:t>toate</a:t>
-            </a:r>
-            <a:r>
-              <a:rPr lang="en-US" b="1" dirty="0">
-                <a:ln w="1905"/>
-                <a:solidFill>
-                  <a:srgbClr val="002060"/>
-                </a:solidFill>
-                <a:effectLst>
-                  <a:outerShdw blurRad="38100" dist="38100" dir="2700000" algn="tl">
-                    <a:srgbClr val="000000">
-                      <a:alpha val="43137"/>
-                    </a:srgbClr>
-                  </a:outerShdw>
-                </a:effectLst>
-              </a:rPr>
-              <a:t> </a:t>
-            </a:r>
-            <a:r>
-              <a:rPr lang="en-US" b="1" dirty="0" err="1">
-                <a:ln w="1905"/>
-                <a:solidFill>
-                  <a:srgbClr val="002060"/>
-                </a:solidFill>
-                <a:effectLst>
-                  <a:outerShdw blurRad="38100" dist="38100" dir="2700000" algn="tl">
-                    <a:srgbClr val="000000">
-                      <a:alpha val="43137"/>
-                    </a:srgbClr>
-                  </a:outerShdw>
-                </a:effectLst>
-              </a:rPr>
-              <a:t>informatiile</a:t>
-            </a:r>
-            <a:r>
-              <a:rPr lang="en-US" b="1" dirty="0">
-                <a:ln w="1905"/>
-                <a:solidFill>
-                  <a:srgbClr val="002060"/>
-                </a:solidFill>
-                <a:effectLst>
-                  <a:outerShdw blurRad="38100" dist="38100" dir="2700000" algn="tl">
-                    <a:srgbClr val="000000">
-                      <a:alpha val="43137"/>
-                    </a:srgbClr>
-                  </a:outerShdw>
-                </a:effectLst>
-              </a:rPr>
-              <a:t> </a:t>
-            </a:r>
-            <a:r>
-              <a:rPr lang="en-US" b="1" dirty="0" err="1">
-                <a:ln w="1905"/>
-                <a:solidFill>
-                  <a:srgbClr val="002060"/>
-                </a:solidFill>
-                <a:effectLst>
-                  <a:outerShdw blurRad="38100" dist="38100" dir="2700000" algn="tl">
-                    <a:srgbClr val="000000">
-                      <a:alpha val="43137"/>
-                    </a:srgbClr>
-                  </a:outerShdw>
-                </a:effectLst>
-              </a:rPr>
-              <a:t>necesare</a:t>
-            </a:r>
-            <a:r>
-              <a:rPr lang="en-US" b="1" dirty="0">
-                <a:ln w="1905"/>
-                <a:solidFill>
-                  <a:srgbClr val="002060"/>
-                </a:solidFill>
-                <a:effectLst>
-                  <a:outerShdw blurRad="38100" dist="38100" dir="2700000" algn="tl">
-                    <a:srgbClr val="000000">
-                      <a:alpha val="43137"/>
-                    </a:srgbClr>
-                  </a:outerShdw>
-                </a:effectLst>
-              </a:rPr>
-              <a:t>, cum </a:t>
-            </a:r>
-            <a:r>
-              <a:rPr lang="en-US" b="1" dirty="0" err="1">
-                <a:ln w="1905"/>
-                <a:solidFill>
-                  <a:srgbClr val="002060"/>
-                </a:solidFill>
-                <a:effectLst>
-                  <a:outerShdw blurRad="38100" dist="38100" dir="2700000" algn="tl">
-                    <a:srgbClr val="000000">
-                      <a:alpha val="43137"/>
-                    </a:srgbClr>
-                  </a:outerShdw>
-                </a:effectLst>
-              </a:rPr>
-              <a:t>ar</a:t>
-            </a:r>
-            <a:r>
-              <a:rPr lang="en-US" b="1" dirty="0">
-                <a:ln w="1905"/>
-                <a:solidFill>
-                  <a:srgbClr val="002060"/>
-                </a:solidFill>
-                <a:effectLst>
-                  <a:outerShdw blurRad="38100" dist="38100" dir="2700000" algn="tl">
-                    <a:srgbClr val="000000">
-                      <a:alpha val="43137"/>
-                    </a:srgbClr>
-                  </a:outerShdw>
-                </a:effectLst>
-              </a:rPr>
-              <a:t> fi </a:t>
-            </a:r>
-            <a:r>
-              <a:rPr lang="en-US" b="1" dirty="0" err="1">
-                <a:ln w="1905"/>
-                <a:solidFill>
-                  <a:srgbClr val="002060"/>
-                </a:solidFill>
-                <a:effectLst>
-                  <a:outerShdw blurRad="38100" dist="38100" dir="2700000" algn="tl">
-                    <a:srgbClr val="000000">
-                      <a:alpha val="43137"/>
-                    </a:srgbClr>
-                  </a:outerShdw>
-                </a:effectLst>
-              </a:rPr>
-              <a:t>stiri</a:t>
-            </a:r>
-            <a:r>
-              <a:rPr lang="en-US" b="1" dirty="0">
-                <a:ln w="1905"/>
-                <a:solidFill>
-                  <a:srgbClr val="002060"/>
-                </a:solidFill>
-                <a:effectLst>
-                  <a:outerShdw blurRad="38100" dist="38100" dir="2700000" algn="tl">
-                    <a:srgbClr val="000000">
-                      <a:alpha val="43137"/>
-                    </a:srgbClr>
-                  </a:outerShdw>
-                </a:effectLst>
-              </a:rPr>
-              <a:t>, </a:t>
-            </a:r>
-            <a:r>
-              <a:rPr lang="en-US" b="1" dirty="0" err="1">
-                <a:ln w="1905"/>
-                <a:solidFill>
-                  <a:srgbClr val="002060"/>
-                </a:solidFill>
-                <a:effectLst>
-                  <a:outerShdw blurRad="38100" dist="38100" dir="2700000" algn="tl">
-                    <a:srgbClr val="000000">
-                      <a:alpha val="43137"/>
-                    </a:srgbClr>
-                  </a:outerShdw>
-                </a:effectLst>
-              </a:rPr>
-              <a:t>meteo</a:t>
-            </a:r>
-            <a:r>
-              <a:rPr lang="en-US" b="1" dirty="0">
-                <a:ln w="1905"/>
-                <a:solidFill>
-                  <a:srgbClr val="002060"/>
-                </a:solidFill>
-                <a:effectLst>
-                  <a:outerShdw blurRad="38100" dist="38100" dir="2700000" algn="tl">
-                    <a:srgbClr val="000000">
-                      <a:alpha val="43137"/>
-                    </a:srgbClr>
-                  </a:outerShdw>
-                </a:effectLst>
-              </a:rPr>
-              <a:t> </a:t>
-            </a:r>
-            <a:r>
-              <a:rPr lang="en-US" b="1" dirty="0" err="1">
-                <a:ln w="1905"/>
-                <a:solidFill>
-                  <a:srgbClr val="002060"/>
-                </a:solidFill>
-                <a:effectLst>
-                  <a:outerShdw blurRad="38100" dist="38100" dir="2700000" algn="tl">
-                    <a:srgbClr val="000000">
-                      <a:alpha val="43137"/>
-                    </a:srgbClr>
-                  </a:outerShdw>
-                </a:effectLst>
-              </a:rPr>
-              <a:t>si</a:t>
-            </a:r>
-            <a:r>
-              <a:rPr lang="en-US" b="1" dirty="0">
-                <a:ln w="1905"/>
-                <a:solidFill>
-                  <a:srgbClr val="002060"/>
-                </a:solidFill>
-                <a:effectLst>
-                  <a:outerShdw blurRad="38100" dist="38100" dir="2700000" algn="tl">
-                    <a:srgbClr val="000000">
-                      <a:alpha val="43137"/>
-                    </a:srgbClr>
-                  </a:outerShdw>
-                </a:effectLst>
-              </a:rPr>
-              <a:t> </a:t>
-            </a:r>
-            <a:r>
-              <a:rPr lang="en-US" b="1" dirty="0" err="1">
-                <a:ln w="1905"/>
-                <a:solidFill>
-                  <a:srgbClr val="002060"/>
-                </a:solidFill>
-                <a:effectLst>
-                  <a:outerShdw blurRad="38100" dist="38100" dir="2700000" algn="tl">
-                    <a:srgbClr val="000000">
-                      <a:alpha val="43137"/>
-                    </a:srgbClr>
-                  </a:outerShdw>
-                </a:effectLst>
-              </a:rPr>
-              <a:t>notificarile</a:t>
-            </a:r>
-            <a:r>
-              <a:rPr lang="en-US" b="1" dirty="0">
-                <a:ln w="1905"/>
-                <a:solidFill>
-                  <a:srgbClr val="002060"/>
-                </a:solidFill>
-                <a:effectLst>
-                  <a:outerShdw blurRad="38100" dist="38100" dir="2700000" algn="tl">
-                    <a:srgbClr val="000000">
-                      <a:alpha val="43137"/>
-                    </a:srgbClr>
-                  </a:outerShdw>
-                </a:effectLst>
-              </a:rPr>
-              <a:t> </a:t>
-            </a:r>
-            <a:r>
-              <a:rPr lang="en-US" b="1" dirty="0" err="1">
-                <a:ln w="1905"/>
-                <a:solidFill>
-                  <a:srgbClr val="002060"/>
-                </a:solidFill>
-                <a:effectLst>
-                  <a:outerShdw blurRad="38100" dist="38100" dir="2700000" algn="tl">
-                    <a:srgbClr val="000000">
-                      <a:alpha val="43137"/>
-                    </a:srgbClr>
-                  </a:outerShdw>
-                </a:effectLst>
-              </a:rPr>
-              <a:t>retelelor</a:t>
-            </a:r>
-            <a:r>
-              <a:rPr lang="en-US" b="1" dirty="0">
-                <a:ln w="1905"/>
-                <a:solidFill>
-                  <a:srgbClr val="002060"/>
-                </a:solidFill>
-                <a:effectLst>
-                  <a:outerShdw blurRad="38100" dist="38100" dir="2700000" algn="tl">
-                    <a:srgbClr val="000000">
-                      <a:alpha val="43137"/>
-                    </a:srgbClr>
-                  </a:outerShdw>
-                </a:effectLst>
-              </a:rPr>
-              <a:t> de </a:t>
-            </a:r>
-            <a:r>
-              <a:rPr lang="en-US" b="1" dirty="0" err="1">
-                <a:ln w="1905"/>
-                <a:solidFill>
-                  <a:srgbClr val="002060"/>
-                </a:solidFill>
-                <a:effectLst>
-                  <a:outerShdw blurRad="38100" dist="38100" dir="2700000" algn="tl">
-                    <a:srgbClr val="000000">
-                      <a:alpha val="43137"/>
-                    </a:srgbClr>
-                  </a:outerShdw>
-                </a:effectLst>
-              </a:rPr>
-              <a:t>socializare</a:t>
-            </a:r>
-            <a:r>
-              <a:rPr lang="en-US" b="1" dirty="0">
-                <a:ln w="1905"/>
-                <a:solidFill>
-                  <a:srgbClr val="002060"/>
-                </a:solidFill>
-                <a:effectLst>
-                  <a:outerShdw blurRad="38100" dist="38100" dir="2700000" algn="tl">
-                    <a:srgbClr val="000000">
-                      <a:alpha val="43137"/>
-                    </a:srgbClr>
-                  </a:outerShdw>
-                </a:effectLst>
-              </a:rPr>
-              <a:t>(</a:t>
-            </a:r>
-            <a:r>
-              <a:rPr lang="en-US" b="1" dirty="0" err="1">
-                <a:ln w="1905"/>
-                <a:solidFill>
-                  <a:srgbClr val="002060"/>
-                </a:solidFill>
-                <a:effectLst>
-                  <a:outerShdw blurRad="38100" dist="38100" dir="2700000" algn="tl">
-                    <a:srgbClr val="000000">
-                      <a:alpha val="43137"/>
-                    </a:srgbClr>
-                  </a:outerShdw>
-                </a:effectLst>
-              </a:rPr>
-              <a:t>facebook</a:t>
-            </a:r>
-            <a:r>
-              <a:rPr lang="en-US" b="1" dirty="0">
-                <a:ln w="1905"/>
-                <a:solidFill>
-                  <a:srgbClr val="002060"/>
-                </a:solidFill>
-                <a:effectLst>
-                  <a:outerShdw blurRad="38100" dist="38100" dir="2700000" algn="tl">
-                    <a:srgbClr val="000000">
-                      <a:alpha val="43137"/>
-                    </a:srgbClr>
-                  </a:outerShdw>
-                </a:effectLst>
-              </a:rPr>
-              <a:t>, </a:t>
-            </a:r>
-            <a:r>
-              <a:rPr lang="en-US" b="1" dirty="0" err="1">
-                <a:ln w="1905"/>
-                <a:solidFill>
-                  <a:srgbClr val="002060"/>
-                </a:solidFill>
-                <a:effectLst>
-                  <a:outerShdw blurRad="38100" dist="38100" dir="2700000" algn="tl">
-                    <a:srgbClr val="000000">
-                      <a:alpha val="43137"/>
-                    </a:srgbClr>
-                  </a:outerShdw>
-                </a:effectLst>
-              </a:rPr>
-              <a:t>twiter</a:t>
-            </a:r>
-            <a:r>
-              <a:rPr lang="en-US" b="1" dirty="0">
-                <a:ln w="1905"/>
-                <a:solidFill>
-                  <a:srgbClr val="002060"/>
-                </a:solidFill>
-                <a:effectLst>
-                  <a:outerShdw blurRad="38100" dist="38100" dir="2700000" algn="tl">
-                    <a:srgbClr val="000000">
-                      <a:alpha val="43137"/>
-                    </a:srgbClr>
-                  </a:outerShdw>
-                </a:effectLst>
-              </a:rPr>
-              <a:t>).</a:t>
+              <a:t>l</a:t>
+            </a:r>
+            <a:r>
+              <a:rPr lang="en-US" b="1" dirty="0" smtClean="0">
+                <a:ln w="1905"/>
+                <a:solidFill>
+                  <a:srgbClr val="002060"/>
+                </a:solidFill>
+                <a:effectLst>
+                  <a:outerShdw blurRad="38100" dist="38100" dir="2700000" algn="tl">
+                    <a:srgbClr val="000000">
+                      <a:alpha val="43137"/>
+                    </a:srgbClr>
+                  </a:outerShdw>
+                </a:effectLst>
+              </a:rPr>
+              <a:t>ive streaming</a:t>
             </a:r>
             <a:endParaRPr lang="de-DE" b="1" dirty="0">
               <a:ln w="1905"/>
@@ -8485,13 +8616,20 @@
     </p:spTree>
     <p:extLst>
       <p:ext uri="{BB962C8B-B14F-4D97-AF65-F5344CB8AC3E}">
-        <p14:creationId xmlns:p14="http://schemas.microsoft.com/office/powerpoint/2010/main" val="3972331220"/>
+        <p14:creationId xmlns:p14="http://schemas.microsoft.com/office/powerpoint/2010/main" xmlns="" val="3972331220"/>
       </p:ext>
     </p:extLst>
   </p:cSld>
   <p:clrMapOvr>
     <a:masterClrMapping/>
   </p:clrMapOvr>
+  <p:timing>
+    <p:tnLst>
+      <p:par>
+        <p:cTn id="1" dur="indefinite" restart="never" nodeType="tmRoot"/>
+      </p:par>
+    </p:tnLst>
+  </p:timing>
 </p:sld>
 </file>
 
@@ -9546,13 +9684,20 @@
     </p:spTree>
     <p:extLst>
       <p:ext uri="{BB962C8B-B14F-4D97-AF65-F5344CB8AC3E}">
-        <p14:creationId xmlns:p14="http://schemas.microsoft.com/office/powerpoint/2010/main" val="2391101683"/>
+        <p14:creationId xmlns:p14="http://schemas.microsoft.com/office/powerpoint/2010/main" xmlns="" val="2391101683"/>
       </p:ext>
     </p:extLst>
   </p:cSld>
   <p:clrMapOvr>
     <a:masterClrMapping/>
   </p:clrMapOvr>
+  <p:timing>
+    <p:tnLst>
+      <p:par>
+        <p:cTn id="1" dur="indefinite" restart="never" nodeType="tmRoot"/>
+      </p:par>
+    </p:tnLst>
+  </p:timing>
 </p:sld>
 </file>
 
@@ -9582,7 +9727,7 @@
         <p:spPr>
           <a:xfrm>
             <a:off x="1331640" y="2276872"/>
-            <a:ext cx="6840165" cy="1296144"/>
+            <a:ext cx="6840165" cy="2088232"/>
           </a:xfrm>
           <a:prstGeom prst="roundRect">
             <a:avLst/>
@@ -9621,26 +9766,6 @@
           <a:p>
             <a:pPr algn="ctr"/>
             <a:r>
-              <a:rPr lang="de-DE" sz="3600" b="1" dirty="0" err="1" smtClean="0">
-                <a:ln w="11430">
-                  <a:solidFill>
-                    <a:srgbClr val="002060"/>
-                  </a:solidFill>
-                </a:ln>
-                <a:solidFill>
-                  <a:srgbClr val="002060"/>
-                </a:solidFill>
-                <a:effectLst>
-                  <a:outerShdw blurRad="50800" dist="39000" dir="5460000" algn="tl">
-                    <a:srgbClr val="002060">
-                      <a:alpha val="38000"/>
-                    </a:srgbClr>
-                  </a:outerShdw>
-                </a:effectLst>
-              </a:rPr>
-              <a:t>Va</a:t>
-            </a:r>
-            <a:r>
               <a:rPr lang="de-DE" sz="3600" b="1" dirty="0" smtClean="0">
                 <a:ln w="11430">
                   <a:solidFill>
@@ -9658,27 +9783,7 @@
                   </a:outerShdw>
                 </a:effectLst>
               </a:rPr>
-              <a:t> </a:t>
-            </a:r>
-            <a:r>
-              <a:rPr lang="de-DE" sz="3600" b="1" dirty="0" err="1" smtClean="0">
-                <a:ln w="11430">
-                  <a:solidFill>
-                    <a:srgbClr val="002060"/>
-                  </a:solidFill>
-                </a:ln>
-                <a:solidFill>
-                  <a:srgbClr val="002060"/>
-                </a:solidFill>
-                <a:effectLst>
-                  <a:outerShdw blurRad="50800" dist="39000" dir="5460000" algn="tl">
-                    <a:srgbClr val="002060">
-                      <a:alpha val="38000"/>
-                    </a:srgbClr>
-                  </a:outerShdw>
-                </a:effectLst>
-              </a:rPr>
-              <a:t>multumim</a:t>
+              <a:t>Va multumim </a:t>
             </a:r>
             <a:r>
               <a:rPr lang="de-DE" sz="3600" b="1" dirty="0" smtClean="0">
@@ -9698,9 +9803,12 @@
                   </a:outerShdw>
                 </a:effectLst>
               </a:rPr>
-              <a:t> !</a:t>
-            </a:r>
-            <a:endParaRPr lang="de-DE" sz="3600" b="1" dirty="0">
+              <a:t>!</a:t>
+            </a:r>
+          </a:p>
+          <a:p>
+            <a:pPr algn="ctr"/>
+            <a:endParaRPr lang="de-DE" sz="3600" b="1" dirty="0" smtClean="0">
               <a:ln w="11430">
                 <a:solidFill>
                   <a:srgbClr val="002060"/>
@@ -9718,6 +9826,46 @@
               </a:effectLst>
             </a:endParaRPr>
           </a:p>
+          <a:p>
+            <a:pPr algn="ctr"/>
+            <a:r>
+              <a:rPr lang="de-DE" sz="3600" b="1" dirty="0" smtClean="0">
+                <a:ln w="11430">
+                  <a:solidFill>
+                    <a:srgbClr val="002060"/>
+                  </a:solidFill>
+                </a:ln>
+                <a:solidFill>
+                  <a:srgbClr val="002060"/>
+                </a:solidFill>
+                <a:effectLst>
+                  <a:outerShdw blurRad="50800" dist="39000" dir="5460000" algn="tl">
+                    <a:srgbClr val="002060">
+                      <a:alpha val="38000"/>
+                    </a:srgbClr>
+                  </a:outerShdw>
+                </a:effectLst>
+              </a:rPr>
+              <a:t>Echipa PiBox</a:t>
+            </a:r>
+            <a:endParaRPr lang="de-DE" sz="3600" b="1" dirty="0" smtClean="0">
+              <a:ln w="11430">
+                <a:solidFill>
+                  <a:srgbClr val="002060"/>
+                </a:solidFill>
+              </a:ln>
+              <a:solidFill>
+                <a:srgbClr val="002060"/>
+              </a:solidFill>
+              <a:effectLst>
+                <a:outerShdw blurRad="50800" dist="39000" dir="5460000" algn="tl">
+                  <a:srgbClr val="002060">
+                    <a:alpha val="38000"/>
+                  </a:srgbClr>
+                </a:outerShdw>
+              </a:effectLst>
+            </a:endParaRPr>
+          </a:p>
         </p:txBody>
       </p:sp>
       <p:pic>
@@ -9729,10 +9877,10 @@
           <p:nvPr/>
         </p:nvPicPr>
         <p:blipFill>
-          <a:blip r:embed="rId2">
+          <a:blip r:embed="rId2" cstate="print">
             <a:extLst>
               <a:ext uri="{28A0092B-C50C-407E-A947-70E740481C1C}">
-                <a14:useLocalDpi xmlns:a14="http://schemas.microsoft.com/office/drawing/2010/main" val="0"/>
+                <a14:useLocalDpi xmlns:a14="http://schemas.microsoft.com/office/drawing/2010/main" xmlns="" val="0"/>
               </a:ext>
             </a:extLst>
           </a:blip>
@@ -9752,7 +9900,7 @@
           <a:noFill/>
           <a:extLst>
             <a:ext uri="{909E8E84-426E-40DD-AFC4-6F175D3DCCD1}">
-              <a14:hiddenFill xmlns:a14="http://schemas.microsoft.com/office/drawing/2010/main">
+              <a14:hiddenFill xmlns:a14="http://schemas.microsoft.com/office/drawing/2010/main" xmlns="">
                 <a:solidFill>
                   <a:srgbClr val="FFFFFF"/>
                 </a:solidFill>
@@ -9764,13 +9912,20 @@
     </p:spTree>
     <p:extLst>
       <p:ext uri="{BB962C8B-B14F-4D97-AF65-F5344CB8AC3E}">
-        <p14:creationId xmlns:p14="http://schemas.microsoft.com/office/powerpoint/2010/main" val="4012671198"/>
+        <p14:creationId xmlns:p14="http://schemas.microsoft.com/office/powerpoint/2010/main" xmlns="" val="4012671198"/>
       </p:ext>
     </p:extLst>
   </p:cSld>
   <p:clrMapOvr>
     <a:masterClrMapping/>
   </p:clrMapOvr>
+  <p:timing>
+    <p:tnLst>
+      <p:par>
+        <p:cTn id="1" dur="indefinite" restart="never" nodeType="tmRoot"/>
+      </p:par>
+    </p:tnLst>
+  </p:timing>
 </p:sld>
 </file>
 
